--- a/doc/Apresentação.pptx
+++ b/doc/Apresentação.pptx
@@ -1369,8 +1369,8 @@
         </p:nvSpPr>
         <p:spPr>
           <a:xfrm>
-            <a:off x="793790" y="2745462"/>
-            <a:ext cx="7556421" cy="1417558"/>
+            <a:off x="310905" y="2745462"/>
+            <a:ext cx="8761176" cy="1417558"/>
           </a:xfrm>
           <a:prstGeom prst="rect">
             <a:avLst/>
@@ -1397,40 +1397,28 @@
                 <a:ea typeface="Alice" pitchFamily="34" charset="-122"/>
                 <a:cs typeface="Alice" pitchFamily="34" charset="-120"/>
               </a:rPr>
-              <a:t>Teste-na-prática: API REST com Node.js e node:test</a:t>
-            </a:r>
-            <a:endParaRPr lang="en-US" sz="4450" dirty="0"/>
+              <a:t>Teste-na-prática: </a:t>
+            </a:r>
           </a:p>
-        </p:txBody>
-      </p:sp>
-      <p:sp>
-        <p:nvSpPr>
-          <p:cNvPr id="4" name="Text 1"/>
-          <p:cNvSpPr/>
-          <p:nvPr/>
-        </p:nvSpPr>
-        <p:spPr>
-          <a:xfrm>
-            <a:off x="793790" y="4503182"/>
-            <a:ext cx="7556421" cy="362903"/>
-          </a:xfrm>
-          <a:prstGeom prst="rect">
-            <a:avLst/>
-          </a:prstGeom>
-          <a:noFill/>
-          <a:ln/>
-        </p:spPr>
-        <p:txBody>
-          <a:bodyPr wrap="none" lIns="0" tIns="0" rIns="0" bIns="0" rtlCol="0" anchor="t"/>
-          <a:lstStyle/>
           <a:p>
             <a:pPr marL="0" indent="0" algn="l">
               <a:lnSpc>
-                <a:spcPts val="2850"/>
+                <a:spcPts val="5550"/>
               </a:lnSpc>
               <a:buNone/>
             </a:pPr>
-            <a:endParaRPr lang="en-US" sz="1750" dirty="0"/>
+            <a:r>
+              <a:rPr lang="en-US" sz="4450" dirty="0">
+                <a:solidFill>
+                  <a:srgbClr val="233E32"/>
+                </a:solidFill>
+                <a:latin typeface="Alice" pitchFamily="34" charset="0"/>
+                <a:ea typeface="Alice" pitchFamily="34" charset="-122"/>
+                <a:cs typeface="Alice" pitchFamily="34" charset="-120"/>
+              </a:rPr>
+              <a:t>API REST com Node.js e node:test</a:t>
+            </a:r>
+            <a:endParaRPr lang="en-US" sz="4450" dirty="0"/>
           </a:p>
         </p:txBody>
       </p:sp>
@@ -1576,7 +1564,7 @@
             </a:avLst>
           </a:prstGeom>
           <a:solidFill>
-            <a:srgbClr val="F0EDE6"/>
+            <a:srgbClr val="233E32"/>
           </a:solidFill>
           <a:ln/>
         </p:spPr>
@@ -1721,7 +1709,7 @@
             </a:avLst>
           </a:prstGeom>
           <a:solidFill>
-            <a:srgbClr val="F0EDE6"/>
+            <a:srgbClr val="233E32"/>
           </a:solidFill>
           <a:ln/>
         </p:spPr>
@@ -1729,7 +1717,7 @@
           <a:bodyPr/>
           <a:lstStyle/>
           <a:p>
-            <a:endParaRPr lang="en-US"/>
+            <a:endParaRPr lang="en-US" dirty="0"/>
           </a:p>
         </p:txBody>
       </p:sp>
@@ -2181,7 +2169,7 @@
         </p:blipFill>
         <p:spPr>
           <a:xfrm>
-            <a:off x="4000783" y="3774962"/>
+            <a:off x="4164081" y="3774961"/>
             <a:ext cx="4170789" cy="3574962"/>
           </a:xfrm>
           <a:prstGeom prst="rect">
